--- a/UAVSAR LITE_Sprint1.pptx
+++ b/UAVSAR LITE_Sprint1.pptx
@@ -19,8 +19,7 @@
     <p:sldId id="335" r:id="rId13"/>
     <p:sldId id="336" r:id="rId14"/>
     <p:sldId id="337" r:id="rId15"/>
-    <p:sldId id="338" r:id="rId16"/>
-    <p:sldId id="325" r:id="rId17"/>
+    <p:sldId id="325" r:id="rId16"/>
   </p:sldIdLst>
   <p:sldSz cx="12192000" cy="6858000"/>
   <p:notesSz cx="6858000" cy="9144000"/>
@@ -121,7 +120,7 @@
   </p:defaultTextStyle>
   <p:extLst>
     <p:ext uri="{EFAFB233-063F-42B5-8137-9DF3F51BA10A}">
-      <p15:sldGuideLst xmlns:p15="http://schemas.microsoft.com/office/powerpoint/2012/main" xmlns=""/>
+      <p15:sldGuideLst xmlns="" xmlns:p15="http://schemas.microsoft.com/office/powerpoint/2012/main"/>
     </p:ext>
   </p:extLst>
 </p:presentation>
@@ -356,7 +355,7 @@
           <a:p>
             <a:fld id="{1B35694F-4D0F-434D-B2B9-390E8EC1C760}" type="datetimeFigureOut">
               <a:rPr lang="en-US" smtClean="0"/>
-              <a:t>2/4/2021</a:t>
+              <a:t>2/17/2021</a:t>
             </a:fld>
             <a:endParaRPr lang="en-US"/>
           </a:p>
@@ -690,7 +689,7 @@
           <a:p>
             <a:fld id="{1B35694F-4D0F-434D-B2B9-390E8EC1C760}" type="datetimeFigureOut">
               <a:rPr lang="en-US" smtClean="0"/>
-              <a:t>2/4/2021</a:t>
+              <a:t>2/17/2021</a:t>
             </a:fld>
             <a:endParaRPr lang="en-US"/>
           </a:p>
@@ -968,7 +967,7 @@
           <a:p>
             <a:fld id="{1B35694F-4D0F-434D-B2B9-390E8EC1C760}" type="datetimeFigureOut">
               <a:rPr lang="en-US" smtClean="0"/>
-              <a:t>2/4/2021</a:t>
+              <a:t>2/17/2021</a:t>
             </a:fld>
             <a:endParaRPr lang="en-US"/>
           </a:p>
@@ -1536,7 +1535,7 @@
           <a:p>
             <a:fld id="{1B35694F-4D0F-434D-B2B9-390E8EC1C760}" type="datetimeFigureOut">
               <a:rPr lang="en-US" smtClean="0"/>
-              <a:t>2/4/2021</a:t>
+              <a:t>2/17/2021</a:t>
             </a:fld>
             <a:endParaRPr lang="en-US"/>
           </a:p>
@@ -1814,7 +1813,7 @@
           <a:p>
             <a:fld id="{1B35694F-4D0F-434D-B2B9-390E8EC1C760}" type="datetimeFigureOut">
               <a:rPr lang="en-US" smtClean="0"/>
-              <a:t>2/4/2021</a:t>
+              <a:t>2/17/2021</a:t>
             </a:fld>
             <a:endParaRPr lang="en-US"/>
           </a:p>
@@ -2376,7 +2375,7 @@
           <a:p>
             <a:fld id="{1B35694F-4D0F-434D-B2B9-390E8EC1C760}" type="datetimeFigureOut">
               <a:rPr lang="en-US" smtClean="0"/>
-              <a:t>2/4/2021</a:t>
+              <a:t>2/17/2021</a:t>
             </a:fld>
             <a:endParaRPr lang="en-US"/>
           </a:p>
@@ -2703,7 +2702,7 @@
           <a:p>
             <a:fld id="{1B35694F-4D0F-434D-B2B9-390E8EC1C760}" type="datetimeFigureOut">
               <a:rPr lang="en-US" smtClean="0"/>
-              <a:t>2/4/2021</a:t>
+              <a:t>2/17/2021</a:t>
             </a:fld>
             <a:endParaRPr lang="en-US"/>
           </a:p>
@@ -2880,7 +2879,7 @@
           <a:p>
             <a:fld id="{1B35694F-4D0F-434D-B2B9-390E8EC1C760}" type="datetimeFigureOut">
               <a:rPr lang="en-US" smtClean="0"/>
-              <a:t>2/4/2021</a:t>
+              <a:t>2/17/2021</a:t>
             </a:fld>
             <a:endParaRPr lang="en-US"/>
           </a:p>
@@ -3118,7 +3117,7 @@
           <a:p>
             <a:fld id="{1B35694F-4D0F-434D-B2B9-390E8EC1C760}" type="datetimeFigureOut">
               <a:rPr lang="en-US" smtClean="0"/>
-              <a:t>2/4/2021</a:t>
+              <a:t>2/17/2021</a:t>
             </a:fld>
             <a:endParaRPr lang="en-US"/>
           </a:p>
@@ -3318,7 +3317,7 @@
           <a:p>
             <a:fld id="{1B35694F-4D0F-434D-B2B9-390E8EC1C760}" type="datetimeFigureOut">
               <a:rPr lang="en-US" smtClean="0"/>
-              <a:t>2/4/2021</a:t>
+              <a:t>2/17/2021</a:t>
             </a:fld>
             <a:endParaRPr lang="en-US"/>
           </a:p>
@@ -3594,7 +3593,7 @@
           <a:p>
             <a:fld id="{1B35694F-4D0F-434D-B2B9-390E8EC1C760}" type="datetimeFigureOut">
               <a:rPr lang="en-US" smtClean="0"/>
-              <a:t>2/4/2021</a:t>
+              <a:t>2/17/2021</a:t>
             </a:fld>
             <a:endParaRPr lang="en-US"/>
           </a:p>
@@ -3860,7 +3859,7 @@
           <a:p>
             <a:fld id="{1B35694F-4D0F-434D-B2B9-390E8EC1C760}" type="datetimeFigureOut">
               <a:rPr lang="en-US" smtClean="0"/>
-              <a:t>2/4/2021</a:t>
+              <a:t>2/17/2021</a:t>
             </a:fld>
             <a:endParaRPr lang="en-US"/>
           </a:p>
@@ -4234,7 +4233,7 @@
           <a:p>
             <a:fld id="{1B35694F-4D0F-434D-B2B9-390E8EC1C760}" type="datetimeFigureOut">
               <a:rPr lang="en-US" smtClean="0"/>
-              <a:t>2/4/2021</a:t>
+              <a:t>2/17/2021</a:t>
             </a:fld>
             <a:endParaRPr lang="en-US"/>
           </a:p>
@@ -4382,7 +4381,7 @@
           <a:p>
             <a:fld id="{1B35694F-4D0F-434D-B2B9-390E8EC1C760}" type="datetimeFigureOut">
               <a:rPr lang="en-US" smtClean="0"/>
-              <a:t>2/4/2021</a:t>
+              <a:t>2/17/2021</a:t>
             </a:fld>
             <a:endParaRPr lang="en-US"/>
           </a:p>
@@ -4507,7 +4506,7 @@
           <a:p>
             <a:fld id="{1B35694F-4D0F-434D-B2B9-390E8EC1C760}" type="datetimeFigureOut">
               <a:rPr lang="en-US" smtClean="0"/>
-              <a:t>2/4/2021</a:t>
+              <a:t>2/17/2021</a:t>
             </a:fld>
             <a:endParaRPr lang="en-US"/>
           </a:p>
@@ -4792,7 +4791,7 @@
           <a:p>
             <a:fld id="{1B35694F-4D0F-434D-B2B9-390E8EC1C760}" type="datetimeFigureOut">
               <a:rPr lang="en-US" smtClean="0"/>
-              <a:t>2/4/2021</a:t>
+              <a:t>2/17/2021</a:t>
             </a:fld>
             <a:endParaRPr lang="en-US"/>
           </a:p>
@@ -5116,7 +5115,7 @@
           <a:p>
             <a:fld id="{1B35694F-4D0F-434D-B2B9-390E8EC1C760}" type="datetimeFigureOut">
               <a:rPr lang="en-US" smtClean="0"/>
-              <a:t>2/4/2021</a:t>
+              <a:t>2/17/2021</a:t>
             </a:fld>
             <a:endParaRPr lang="en-US"/>
           </a:p>
@@ -5330,7 +5329,7 @@
           <a:p>
             <a:fld id="{1B35694F-4D0F-434D-B2B9-390E8EC1C760}" type="datetimeFigureOut">
               <a:rPr lang="en-US" smtClean="0"/>
-              <a:t>2/4/2021</a:t>
+              <a:t>2/17/2021</a:t>
             </a:fld>
             <a:endParaRPr lang="en-US"/>
           </a:p>
@@ -6823,153 +6822,6 @@
             <a:spLocks noGrp="1"/>
           </p:cNvSpPr>
           <p:nvPr>
-            <p:ph type="title"/>
-          </p:nvPr>
-        </p:nvSpPr>
-        <p:spPr/>
-        <p:txBody>
-          <a:bodyPr/>
-          <a:lstStyle/>
-          <a:p>
-            <a:r>
-              <a:rPr lang="en-US" dirty="0"/>
-              <a:t>Important takeaways chapters </a:t>
-            </a:r>
-            <a:r>
-              <a:rPr lang="en-US" dirty="0" smtClean="0"/>
-              <a:t>12-13</a:t>
-            </a:r>
-            <a:endParaRPr lang="en-US" dirty="0"/>
-          </a:p>
-        </p:txBody>
-      </p:sp>
-      <p:sp>
-        <p:nvSpPr>
-          <p:cNvPr id="7" name="Content Placeholder 6"/>
-          <p:cNvSpPr>
-            <a:spLocks noGrp="1"/>
-          </p:cNvSpPr>
-          <p:nvPr>
-            <p:ph idx="1"/>
-          </p:nvPr>
-        </p:nvSpPr>
-        <p:spPr>
-          <a:xfrm>
-            <a:off x="849086" y="2280860"/>
-            <a:ext cx="10131425" cy="3649133"/>
-          </a:xfrm>
-        </p:spPr>
-        <p:txBody>
-          <a:bodyPr/>
-          <a:lstStyle/>
-          <a:p>
-            <a:r>
-              <a:rPr lang="en-US" dirty="0"/>
-              <a:t>Law Enforcement. Both SLAR and SAR have </a:t>
-            </a:r>
-            <a:r>
-              <a:rPr lang="en-US" dirty="0" smtClean="0"/>
-              <a:t>played important </a:t>
-            </a:r>
-            <a:r>
-              <a:rPr lang="en-US" dirty="0"/>
-              <a:t>roles in oil-spill detection, fishery protection, </a:t>
-            </a:r>
-            <a:r>
-              <a:rPr lang="en-US" dirty="0" smtClean="0"/>
-              <a:t>and the </a:t>
-            </a:r>
-            <a:r>
-              <a:rPr lang="en-US" dirty="0"/>
-              <a:t>interdiction of smugglers and drug traffickers. </a:t>
-            </a:r>
-            <a:r>
-              <a:rPr lang="en-US" dirty="0" smtClean="0"/>
-              <a:t>Since SAR </a:t>
-            </a:r>
-            <a:r>
-              <a:rPr lang="en-US" dirty="0"/>
-              <a:t>can provide fine resolution at long ranges, it has </a:t>
-            </a:r>
-            <a:r>
-              <a:rPr lang="en-US" dirty="0" smtClean="0"/>
-              <a:t>the advantage </a:t>
-            </a:r>
-            <a:r>
-              <a:rPr lang="en-US" dirty="0"/>
-              <a:t>of uncovering illicit activities without alerting </a:t>
-            </a:r>
-            <a:r>
-              <a:rPr lang="en-US" dirty="0" smtClean="0"/>
-              <a:t>the law </a:t>
-            </a:r>
-            <a:r>
-              <a:rPr lang="en-US" dirty="0"/>
-              <a:t>breakers (Fig. 13).</a:t>
-            </a:r>
-            <a:endParaRPr lang="en-US" dirty="0" smtClean="0"/>
-          </a:p>
-          <a:p>
-            <a:endParaRPr lang="en-US" dirty="0"/>
-          </a:p>
-          <a:p>
-            <a:endParaRPr lang="en-US" dirty="0" smtClean="0"/>
-          </a:p>
-          <a:p>
-            <a:endParaRPr lang="en-US" dirty="0"/>
-          </a:p>
-          <a:p>
-            <a:endParaRPr lang="en-US" dirty="0" smtClean="0"/>
-          </a:p>
-          <a:p>
-            <a:endParaRPr lang="en-US" dirty="0"/>
-          </a:p>
-        </p:txBody>
-      </p:sp>
-    </p:spTree>
-    <p:extLst>
-      <p:ext uri="{BB962C8B-B14F-4D97-AF65-F5344CB8AC3E}">
-        <p14:creationId xmlns:p14="http://schemas.microsoft.com/office/powerpoint/2010/main" val="2148012744"/>
-      </p:ext>
-    </p:extLst>
-  </p:cSld>
-  <p:clrMapOvr>
-    <a:masterClrMapping/>
-  </p:clrMapOvr>
-  <p:timing>
-    <p:tnLst>
-      <p:par>
-        <p:cTn id="1" dur="indefinite" restart="never" nodeType="tmRoot"/>
-      </p:par>
-    </p:tnLst>
-  </p:timing>
-</p:sld>
-</file>
-
-<file path=ppt/slides/slide16.xml><?xml version="1.0" encoding="utf-8"?>
-<p:sld xmlns:a="http://schemas.openxmlformats.org/drawingml/2006/main" xmlns:r="http://schemas.openxmlformats.org/officeDocument/2006/relationships" xmlns:p="http://schemas.openxmlformats.org/presentationml/2006/main">
-  <p:cSld>
-    <p:spTree>
-      <p:nvGrpSpPr>
-        <p:cNvPr id="1" name=""/>
-        <p:cNvGrpSpPr/>
-        <p:nvPr/>
-      </p:nvGrpSpPr>
-      <p:grpSpPr>
-        <a:xfrm>
-          <a:off x="0" y="0"/>
-          <a:ext cx="0" cy="0"/>
-          <a:chOff x="0" y="0"/>
-          <a:chExt cx="0" cy="0"/>
-        </a:xfrm>
-      </p:grpSpPr>
-      <p:sp>
-        <p:nvSpPr>
-          <p:cNvPr id="2" name="Title 1"/>
-          <p:cNvSpPr>
-            <a:spLocks noGrp="1"/>
-          </p:cNvSpPr>
-          <p:nvPr>
             <p:ph type="ctrTitle"/>
           </p:nvPr>
         </p:nvSpPr>
@@ -13500,7 +13352,7 @@
   <a:extraClrSchemeLst/>
   <a:extLst>
     <a:ext uri="{05A4C25C-085E-4340-85A3-A5531E510DB2}">
-      <thm15:themeFamily xmlns:thm15="http://schemas.microsoft.com/office/thememl/2012/main" xmlns="" name="Celestial" id="{C4BB2A3D-0E93-4C5F-B0D2-9D3FCE089CC5}" vid="{42E5908D-19A2-46FD-89FA-638B126129EF}"/>
+      <thm15:themeFamily xmlns="" xmlns:thm15="http://schemas.microsoft.com/office/thememl/2012/main" name="Celestial" id="{C4BB2A3D-0E93-4C5F-B0D2-9D3FCE089CC5}" vid="{42E5908D-19A2-46FD-89FA-638B126129EF}"/>
     </a:ext>
   </a:extLst>
 </a:theme>
